--- a/AXIS of Rotation.pptx
+++ b/AXIS of Rotation.pptx
@@ -9,6 +9,7 @@
     <p:sldId id="257" r:id="rId3"/>
     <p:sldId id="258" r:id="rId4"/>
     <p:sldId id="259" r:id="rId5"/>
+    <p:sldId id="260" r:id="rId6"/>
   </p:sldIdLst>
   <p:sldSz cx="12192000" cy="6858000"/>
   <p:notesSz cx="6858000" cy="9144000"/>
@@ -126,6 +127,144 @@
 </p:presentation>
 </file>
 
+<file path=ppt/changesInfos/changesInfo1.xml><?xml version="1.0" encoding="utf-8"?>
+<pc:chgInfo xmlns:a="http://schemas.openxmlformats.org/drawingml/2006/main" xmlns:r="http://schemas.openxmlformats.org/officeDocument/2006/relationships" xmlns:ac="http://schemas.microsoft.com/office/drawing/2013/main/command" xmlns:pc="http://schemas.microsoft.com/office/powerpoint/2013/main/command">
+  <pc:docChgLst>
+    <pc:chgData name="Nikolaj Bjerregaard Sillassen" userId="640cb105-f211-48ab-927a-84aa6d41dbe8" providerId="ADAL" clId="{8B3DCA53-7DFF-4E16-BBE5-28F8044F5193}"/>
+    <pc:docChg chg="custSel addSld modSld">
+      <pc:chgData name="Nikolaj Bjerregaard Sillassen" userId="640cb105-f211-48ab-927a-84aa6d41dbe8" providerId="ADAL" clId="{8B3DCA53-7DFF-4E16-BBE5-28F8044F5193}" dt="2022-11-28T08:32:06.672" v="239" actId="20577"/>
+      <pc:docMkLst>
+        <pc:docMk/>
+      </pc:docMkLst>
+      <pc:sldChg chg="addSp delSp modSp mod">
+        <pc:chgData name="Nikolaj Bjerregaard Sillassen" userId="640cb105-f211-48ab-927a-84aa6d41dbe8" providerId="ADAL" clId="{8B3DCA53-7DFF-4E16-BBE5-28F8044F5193}" dt="2022-11-28T08:22:14.894" v="14" actId="1076"/>
+        <pc:sldMkLst>
+          <pc:docMk/>
+          <pc:sldMk cId="3213235585" sldId="257"/>
+        </pc:sldMkLst>
+        <pc:picChg chg="del mod">
+          <ac:chgData name="Nikolaj Bjerregaard Sillassen" userId="640cb105-f211-48ab-927a-84aa6d41dbe8" providerId="ADAL" clId="{8B3DCA53-7DFF-4E16-BBE5-28F8044F5193}" dt="2022-11-28T08:21:32.347" v="9" actId="478"/>
+          <ac:picMkLst>
+            <pc:docMk/>
+            <pc:sldMk cId="3213235585" sldId="257"/>
+            <ac:picMk id="5" creationId="{5533B200-D6A9-4EAD-6601-7DDAA5E3809D}"/>
+          </ac:picMkLst>
+        </pc:picChg>
+        <pc:picChg chg="add mod">
+          <ac:chgData name="Nikolaj Bjerregaard Sillassen" userId="640cb105-f211-48ab-927a-84aa6d41dbe8" providerId="ADAL" clId="{8B3DCA53-7DFF-4E16-BBE5-28F8044F5193}" dt="2022-11-28T08:21:40.117" v="12" actId="1076"/>
+          <ac:picMkLst>
+            <pc:docMk/>
+            <pc:sldMk cId="3213235585" sldId="257"/>
+            <ac:picMk id="6" creationId="{FCB5953F-18AC-BE2E-952E-24EE7307446F}"/>
+          </ac:picMkLst>
+        </pc:picChg>
+        <pc:picChg chg="del">
+          <ac:chgData name="Nikolaj Bjerregaard Sillassen" userId="640cb105-f211-48ab-927a-84aa6d41dbe8" providerId="ADAL" clId="{8B3DCA53-7DFF-4E16-BBE5-28F8044F5193}" dt="2022-11-28T08:21:34.010" v="10" actId="478"/>
+          <ac:picMkLst>
+            <pc:docMk/>
+            <pc:sldMk cId="3213235585" sldId="257"/>
+            <ac:picMk id="7" creationId="{BBC324F4-1EBF-78A1-1EF6-F3AA26DFDE25}"/>
+          </ac:picMkLst>
+        </pc:picChg>
+        <pc:picChg chg="add mod">
+          <ac:chgData name="Nikolaj Bjerregaard Sillassen" userId="640cb105-f211-48ab-927a-84aa6d41dbe8" providerId="ADAL" clId="{8B3DCA53-7DFF-4E16-BBE5-28F8044F5193}" dt="2022-11-28T08:22:14.894" v="14" actId="1076"/>
+          <ac:picMkLst>
+            <pc:docMk/>
+            <pc:sldMk cId="3213235585" sldId="257"/>
+            <ac:picMk id="9" creationId="{2E24FF3B-D93E-8E79-1C65-92C394F0358B}"/>
+          </ac:picMkLst>
+        </pc:picChg>
+      </pc:sldChg>
+      <pc:sldChg chg="addSp delSp modSp mod">
+        <pc:chgData name="Nikolaj Bjerregaard Sillassen" userId="640cb105-f211-48ab-927a-84aa6d41dbe8" providerId="ADAL" clId="{8B3DCA53-7DFF-4E16-BBE5-28F8044F5193}" dt="2022-11-28T08:22:51.222" v="18" actId="22"/>
+        <pc:sldMkLst>
+          <pc:docMk/>
+          <pc:sldMk cId="3615827705" sldId="258"/>
+        </pc:sldMkLst>
+        <pc:picChg chg="del mod">
+          <ac:chgData name="Nikolaj Bjerregaard Sillassen" userId="640cb105-f211-48ab-927a-84aa6d41dbe8" providerId="ADAL" clId="{8B3DCA53-7DFF-4E16-BBE5-28F8044F5193}" dt="2022-11-28T08:22:21.567" v="16" actId="478"/>
+          <ac:picMkLst>
+            <pc:docMk/>
+            <pc:sldMk cId="3615827705" sldId="258"/>
+            <ac:picMk id="5" creationId="{C068CC70-0018-4A99-E421-0D9C7387E603}"/>
+          </ac:picMkLst>
+        </pc:picChg>
+        <pc:picChg chg="add">
+          <ac:chgData name="Nikolaj Bjerregaard Sillassen" userId="640cb105-f211-48ab-927a-84aa6d41dbe8" providerId="ADAL" clId="{8B3DCA53-7DFF-4E16-BBE5-28F8044F5193}" dt="2022-11-28T08:22:51.222" v="18" actId="22"/>
+          <ac:picMkLst>
+            <pc:docMk/>
+            <pc:sldMk cId="3615827705" sldId="258"/>
+            <ac:picMk id="6" creationId="{40CFA21B-8B73-9910-0EAB-8EAE1B2EE541}"/>
+          </ac:picMkLst>
+        </pc:picChg>
+        <pc:picChg chg="del">
+          <ac:chgData name="Nikolaj Bjerregaard Sillassen" userId="640cb105-f211-48ab-927a-84aa6d41dbe8" providerId="ADAL" clId="{8B3DCA53-7DFF-4E16-BBE5-28F8044F5193}" dt="2022-11-28T08:22:22.699" v="17" actId="478"/>
+          <ac:picMkLst>
+            <pc:docMk/>
+            <pc:sldMk cId="3615827705" sldId="258"/>
+            <ac:picMk id="7" creationId="{3963F0E8-03B9-CC82-7EE6-4E50F050611B}"/>
+          </ac:picMkLst>
+        </pc:picChg>
+      </pc:sldChg>
+      <pc:sldChg chg="addSp delSp modSp mod">
+        <pc:chgData name="Nikolaj Bjerregaard Sillassen" userId="640cb105-f211-48ab-927a-84aa6d41dbe8" providerId="ADAL" clId="{8B3DCA53-7DFF-4E16-BBE5-28F8044F5193}" dt="2022-11-28T08:21:23.707" v="7" actId="1076"/>
+        <pc:sldMkLst>
+          <pc:docMk/>
+          <pc:sldMk cId="784976043" sldId="259"/>
+        </pc:sldMkLst>
+        <pc:picChg chg="del mod">
+          <ac:chgData name="Nikolaj Bjerregaard Sillassen" userId="640cb105-f211-48ab-927a-84aa6d41dbe8" providerId="ADAL" clId="{8B3DCA53-7DFF-4E16-BBE5-28F8044F5193}" dt="2022-11-28T08:20:52.488" v="1" actId="478"/>
+          <ac:picMkLst>
+            <pc:docMk/>
+            <pc:sldMk cId="784976043" sldId="259"/>
+            <ac:picMk id="5" creationId="{6C50B55F-1DB5-9D4D-22BE-FA5204CBA104}"/>
+          </ac:picMkLst>
+        </pc:picChg>
+        <pc:picChg chg="del mod">
+          <ac:chgData name="Nikolaj Bjerregaard Sillassen" userId="640cb105-f211-48ab-927a-84aa6d41dbe8" providerId="ADAL" clId="{8B3DCA53-7DFF-4E16-BBE5-28F8044F5193}" dt="2022-11-28T08:21:20.078" v="5" actId="478"/>
+          <ac:picMkLst>
+            <pc:docMk/>
+            <pc:sldMk cId="784976043" sldId="259"/>
+            <ac:picMk id="6" creationId="{EA7118D6-2653-4179-F183-75AA1927A802}"/>
+          </ac:picMkLst>
+        </pc:picChg>
+        <pc:picChg chg="add mod">
+          <ac:chgData name="Nikolaj Bjerregaard Sillassen" userId="640cb105-f211-48ab-927a-84aa6d41dbe8" providerId="ADAL" clId="{8B3DCA53-7DFF-4E16-BBE5-28F8044F5193}" dt="2022-11-28T08:20:55.922" v="3" actId="1076"/>
+          <ac:picMkLst>
+            <pc:docMk/>
+            <pc:sldMk cId="784976043" sldId="259"/>
+            <ac:picMk id="7" creationId="{BB69C8BA-F7DF-967C-C72D-9B7E6625F924}"/>
+          </ac:picMkLst>
+        </pc:picChg>
+        <pc:picChg chg="add mod">
+          <ac:chgData name="Nikolaj Bjerregaard Sillassen" userId="640cb105-f211-48ab-927a-84aa6d41dbe8" providerId="ADAL" clId="{8B3DCA53-7DFF-4E16-BBE5-28F8044F5193}" dt="2022-11-28T08:21:23.707" v="7" actId="1076"/>
+          <ac:picMkLst>
+            <pc:docMk/>
+            <pc:sldMk cId="784976043" sldId="259"/>
+            <ac:picMk id="9" creationId="{84F97C9C-190B-54B8-3E02-EC761D840C48}"/>
+          </ac:picMkLst>
+        </pc:picChg>
+      </pc:sldChg>
+      <pc:sldChg chg="modSp new mod">
+        <pc:chgData name="Nikolaj Bjerregaard Sillassen" userId="640cb105-f211-48ab-927a-84aa6d41dbe8" providerId="ADAL" clId="{8B3DCA53-7DFF-4E16-BBE5-28F8044F5193}" dt="2022-11-28T08:32:06.672" v="239" actId="20577"/>
+        <pc:sldMkLst>
+          <pc:docMk/>
+          <pc:sldMk cId="732139242" sldId="260"/>
+        </pc:sldMkLst>
+        <pc:spChg chg="mod">
+          <ac:chgData name="Nikolaj Bjerregaard Sillassen" userId="640cb105-f211-48ab-927a-84aa6d41dbe8" providerId="ADAL" clId="{8B3DCA53-7DFF-4E16-BBE5-28F8044F5193}" dt="2022-11-28T08:32:06.672" v="239" actId="20577"/>
+          <ac:spMkLst>
+            <pc:docMk/>
+            <pc:sldMk cId="732139242" sldId="260"/>
+            <ac:spMk id="3" creationId="{ED67C6F6-EE4F-7526-8902-3B1FA9E14092}"/>
+          </ac:spMkLst>
+        </pc:spChg>
+      </pc:sldChg>
+    </pc:docChg>
+  </pc:docChgLst>
+</pc:chgInfo>
+</file>
+
 <file path=ppt/slideLayouts/slideLayout1.xml><?xml version="1.0" encoding="utf-8"?>
 <p:sldLayout xmlns:a="http://schemas.openxmlformats.org/drawingml/2006/main" xmlns:r="http://schemas.openxmlformats.org/officeDocument/2006/relationships" xmlns:p="http://schemas.openxmlformats.org/presentationml/2006/main" type="title" preserve="1">
   <p:cSld name="Titelslide">
@@ -275,7 +414,7 @@
           <a:p>
             <a:fld id="{04A35CE9-334B-4CE3-BB2A-04ADA34A0B68}" type="datetimeFigureOut">
               <a:rPr lang="en-US" smtClean="0"/>
-              <a:t>11/21/2022</a:t>
+              <a:t>11/28/2022</a:t>
             </a:fld>
             <a:endParaRPr lang="en-US"/>
           </a:p>
@@ -567,7 +706,7 @@
           <a:p>
             <a:fld id="{04A35CE9-334B-4CE3-BB2A-04ADA34A0B68}" type="datetimeFigureOut">
               <a:rPr lang="en-US" smtClean="0"/>
-              <a:t>11/21/2022</a:t>
+              <a:t>11/28/2022</a:t>
             </a:fld>
             <a:endParaRPr lang="en-US"/>
           </a:p>
@@ -777,7 +916,7 @@
           <a:p>
             <a:fld id="{04A35CE9-334B-4CE3-BB2A-04ADA34A0B68}" type="datetimeFigureOut">
               <a:rPr lang="en-US" smtClean="0"/>
-              <a:t>11/21/2022</a:t>
+              <a:t>11/28/2022</a:t>
             </a:fld>
             <a:endParaRPr lang="en-US"/>
           </a:p>
@@ -1043,7 +1182,7 @@
           <a:p>
             <a:fld id="{04A35CE9-334B-4CE3-BB2A-04ADA34A0B68}" type="datetimeFigureOut">
               <a:rPr lang="en-US" smtClean="0"/>
-              <a:t>11/21/2022</a:t>
+              <a:t>11/28/2022</a:t>
             </a:fld>
             <a:endParaRPr lang="en-US"/>
           </a:p>
@@ -1415,7 +1554,7 @@
           <a:p>
             <a:fld id="{04A35CE9-334B-4CE3-BB2A-04ADA34A0B68}" type="datetimeFigureOut">
               <a:rPr lang="en-US" smtClean="0"/>
-              <a:t>11/21/2022</a:t>
+              <a:t>11/28/2022</a:t>
             </a:fld>
             <a:endParaRPr lang="en-US"/>
           </a:p>
@@ -1693,7 +1832,7 @@
           <a:p>
             <a:fld id="{04A35CE9-334B-4CE3-BB2A-04ADA34A0B68}" type="datetimeFigureOut">
               <a:rPr lang="en-US" smtClean="0"/>
-              <a:t>11/21/2022</a:t>
+              <a:t>11/28/2022</a:t>
             </a:fld>
             <a:endParaRPr lang="en-US"/>
           </a:p>
@@ -2019,7 +2158,7 @@
           <a:p>
             <a:fld id="{04A35CE9-334B-4CE3-BB2A-04ADA34A0B68}" type="datetimeFigureOut">
               <a:rPr lang="en-US" smtClean="0"/>
-              <a:t>11/21/2022</a:t>
+              <a:t>11/28/2022</a:t>
             </a:fld>
             <a:endParaRPr lang="en-US"/>
           </a:p>
@@ -2379,7 +2518,7 @@
           <a:p>
             <a:fld id="{04A35CE9-334B-4CE3-BB2A-04ADA34A0B68}" type="datetimeFigureOut">
               <a:rPr lang="en-US" smtClean="0"/>
-              <a:t>11/21/2022</a:t>
+              <a:t>11/28/2022</a:t>
             </a:fld>
             <a:endParaRPr lang="en-US"/>
           </a:p>
@@ -2841,7 +2980,7 @@
           <a:p>
             <a:fld id="{04A35CE9-334B-4CE3-BB2A-04ADA34A0B68}" type="datetimeFigureOut">
               <a:rPr lang="en-US" smtClean="0"/>
-              <a:t>11/21/2022</a:t>
+              <a:t>11/28/2022</a:t>
             </a:fld>
             <a:endParaRPr lang="en-US"/>
           </a:p>
@@ -3030,7 +3169,7 @@
           <a:p>
             <a:fld id="{04A35CE9-334B-4CE3-BB2A-04ADA34A0B68}" type="datetimeFigureOut">
               <a:rPr lang="en-US" smtClean="0"/>
-              <a:t>11/21/2022</a:t>
+              <a:t>11/28/2022</a:t>
             </a:fld>
             <a:endParaRPr lang="en-US"/>
           </a:p>
@@ -3190,7 +3329,7 @@
           <a:p>
             <a:fld id="{04A35CE9-334B-4CE3-BB2A-04ADA34A0B68}" type="datetimeFigureOut">
               <a:rPr lang="en-US" smtClean="0"/>
-              <a:t>11/21/2022</a:t>
+              <a:t>11/28/2022</a:t>
             </a:fld>
             <a:endParaRPr lang="en-US"/>
           </a:p>
@@ -3550,7 +3689,7 @@
           <a:p>
             <a:fld id="{04A35CE9-334B-4CE3-BB2A-04ADA34A0B68}" type="datetimeFigureOut">
               <a:rPr lang="en-US" smtClean="0"/>
-              <a:t>11/21/2022</a:t>
+              <a:t>11/28/2022</a:t>
             </a:fld>
             <a:endParaRPr lang="en-US"/>
           </a:p>
@@ -3890,7 +4029,7 @@
           <a:p>
             <a:fld id="{04A35CE9-334B-4CE3-BB2A-04ADA34A0B68}" type="datetimeFigureOut">
               <a:rPr lang="en-US" smtClean="0"/>
-              <a:t>11/21/2022</a:t>
+              <a:t>11/28/2022</a:t>
             </a:fld>
             <a:endParaRPr lang="en-US"/>
           </a:p>
@@ -4178,7 +4317,7 @@
           <a:p>
             <a:fld id="{04A35CE9-334B-4CE3-BB2A-04ADA34A0B68}" type="datetimeFigureOut">
               <a:rPr lang="en-US" smtClean="0"/>
-              <a:t>11/21/2022</a:t>
+              <a:t>11/28/2022</a:t>
             </a:fld>
             <a:endParaRPr lang="en-US"/>
           </a:p>
@@ -4733,10 +4872,10 @@
       </p:sp>
       <p:pic>
         <p:nvPicPr>
-          <p:cNvPr id="5" name="Picture 4">
-            <a:extLst>
-              <a:ext uri="{FF2B5EF4-FFF2-40B4-BE49-F238E27FC236}">
-                <a16:creationId xmlns:a16="http://schemas.microsoft.com/office/drawing/2014/main" id="{5533B200-D6A9-4EAD-6601-7DDAA5E3809D}"/>
+          <p:cNvPr id="6" name="Picture 5">
+            <a:extLst>
+              <a:ext uri="{FF2B5EF4-FFF2-40B4-BE49-F238E27FC236}">
+                <a16:creationId xmlns:a16="http://schemas.microsoft.com/office/drawing/2014/main" id="{FCB5953F-18AC-BE2E-952E-24EE7307446F}"/>
               </a:ext>
             </a:extLst>
           </p:cNvPr>
@@ -4753,8 +4892,8 @@
         </p:blipFill>
         <p:spPr>
           <a:xfrm>
-            <a:off x="438150" y="135116"/>
-            <a:ext cx="11315700" cy="3152775"/>
+            <a:off x="419100" y="266700"/>
+            <a:ext cx="11353800" cy="3162300"/>
           </a:xfrm>
           <a:prstGeom prst="rect">
             <a:avLst/>
@@ -4763,10 +4902,10 @@
       </p:pic>
       <p:pic>
         <p:nvPicPr>
-          <p:cNvPr id="7" name="Picture 6">
-            <a:extLst>
-              <a:ext uri="{FF2B5EF4-FFF2-40B4-BE49-F238E27FC236}">
-                <a16:creationId xmlns:a16="http://schemas.microsoft.com/office/drawing/2014/main" id="{BBC324F4-1EBF-78A1-1EF6-F3AA26DFDE25}"/>
+          <p:cNvPr id="9" name="Picture 8">
+            <a:extLst>
+              <a:ext uri="{FF2B5EF4-FFF2-40B4-BE49-F238E27FC236}">
+                <a16:creationId xmlns:a16="http://schemas.microsoft.com/office/drawing/2014/main" id="{2E24FF3B-D93E-8E79-1C65-92C394F0358B}"/>
               </a:ext>
             </a:extLst>
           </p:cNvPr>
@@ -4783,8 +4922,8 @@
         </p:blipFill>
         <p:spPr>
           <a:xfrm>
-            <a:off x="438150" y="3340100"/>
-            <a:ext cx="11315700" cy="3152775"/>
+            <a:off x="447675" y="3486150"/>
+            <a:ext cx="11325225" cy="3105150"/>
           </a:xfrm>
           <a:prstGeom prst="rect">
             <a:avLst/>
@@ -4873,10 +5012,10 @@
       </p:sp>
       <p:pic>
         <p:nvPicPr>
-          <p:cNvPr id="5" name="Picture 4">
-            <a:extLst>
-              <a:ext uri="{FF2B5EF4-FFF2-40B4-BE49-F238E27FC236}">
-                <a16:creationId xmlns:a16="http://schemas.microsoft.com/office/drawing/2014/main" id="{C068CC70-0018-4A99-E421-0D9C7387E603}"/>
+          <p:cNvPr id="6" name="Picture 5">
+            <a:extLst>
+              <a:ext uri="{FF2B5EF4-FFF2-40B4-BE49-F238E27FC236}">
+                <a16:creationId xmlns:a16="http://schemas.microsoft.com/office/drawing/2014/main" id="{40CFA21B-8B73-9910-0EAB-8EAE1B2EE541}"/>
               </a:ext>
             </a:extLst>
           </p:cNvPr>
@@ -4893,38 +5032,8 @@
         </p:blipFill>
         <p:spPr>
           <a:xfrm>
-            <a:off x="438150" y="284409"/>
-            <a:ext cx="11315700" cy="3152775"/>
-          </a:xfrm>
-          <a:prstGeom prst="rect">
-            <a:avLst/>
-          </a:prstGeom>
-        </p:spPr>
-      </p:pic>
-      <p:pic>
-        <p:nvPicPr>
-          <p:cNvPr id="7" name="Picture 6">
-            <a:extLst>
-              <a:ext uri="{FF2B5EF4-FFF2-40B4-BE49-F238E27FC236}">
-                <a16:creationId xmlns:a16="http://schemas.microsoft.com/office/drawing/2014/main" id="{3963F0E8-03B9-CC82-7EE6-4E50F050611B}"/>
-              </a:ext>
-            </a:extLst>
-          </p:cNvPr>
-          <p:cNvPicPr>
-            <a:picLocks noChangeAspect="1"/>
-          </p:cNvPicPr>
-          <p:nvPr/>
-        </p:nvPicPr>
-        <p:blipFill>
-          <a:blip r:embed="rId3"/>
-          <a:stretch>
-            <a:fillRect/>
-          </a:stretch>
-        </p:blipFill>
-        <p:spPr>
-          <a:xfrm>
-            <a:off x="466725" y="3444161"/>
-            <a:ext cx="11287125" cy="3143250"/>
+            <a:off x="442912" y="238125"/>
+            <a:ext cx="11306175" cy="6381750"/>
           </a:xfrm>
           <a:prstGeom prst="rect">
             <a:avLst/>
@@ -5013,10 +5122,10 @@
       </p:sp>
       <p:pic>
         <p:nvPicPr>
-          <p:cNvPr id="5" name="Picture 4">
-            <a:extLst>
-              <a:ext uri="{FF2B5EF4-FFF2-40B4-BE49-F238E27FC236}">
-                <a16:creationId xmlns:a16="http://schemas.microsoft.com/office/drawing/2014/main" id="{6C50B55F-1DB5-9D4D-22BE-FA5204CBA104}"/>
+          <p:cNvPr id="7" name="Picture 6">
+            <a:extLst>
+              <a:ext uri="{FF2B5EF4-FFF2-40B4-BE49-F238E27FC236}">
+                <a16:creationId xmlns:a16="http://schemas.microsoft.com/office/drawing/2014/main" id="{BB69C8BA-F7DF-967C-C72D-9B7E6625F924}"/>
               </a:ext>
             </a:extLst>
           </p:cNvPr>
@@ -5033,8 +5142,8 @@
         </p:blipFill>
         <p:spPr>
           <a:xfrm>
-            <a:off x="3267074" y="3508897"/>
-            <a:ext cx="5657850" cy="3143250"/>
+            <a:off x="438150" y="3490405"/>
+            <a:ext cx="11325225" cy="3190875"/>
           </a:xfrm>
           <a:prstGeom prst="rect">
             <a:avLst/>
@@ -5043,10 +5152,10 @@
       </p:pic>
       <p:pic>
         <p:nvPicPr>
-          <p:cNvPr id="6" name="Picture 5">
-            <a:extLst>
-              <a:ext uri="{FF2B5EF4-FFF2-40B4-BE49-F238E27FC236}">
-                <a16:creationId xmlns:a16="http://schemas.microsoft.com/office/drawing/2014/main" id="{EA7118D6-2653-4179-F183-75AA1927A802}"/>
+          <p:cNvPr id="9" name="Picture 8">
+            <a:extLst>
+              <a:ext uri="{FF2B5EF4-FFF2-40B4-BE49-F238E27FC236}">
+                <a16:creationId xmlns:a16="http://schemas.microsoft.com/office/drawing/2014/main" id="{84F97C9C-190B-54B8-3E02-EC761D840C48}"/>
               </a:ext>
             </a:extLst>
           </p:cNvPr>
@@ -5063,8 +5172,8 @@
         </p:blipFill>
         <p:spPr>
           <a:xfrm>
-            <a:off x="438150" y="275076"/>
-            <a:ext cx="11315700" cy="3152775"/>
+            <a:off x="438150" y="109538"/>
+            <a:ext cx="11353800" cy="3162300"/>
           </a:xfrm>
           <a:prstGeom prst="rect">
             <a:avLst/>
@@ -5075,6 +5184,172 @@
     <p:extLst>
       <p:ext uri="{BB962C8B-B14F-4D97-AF65-F5344CB8AC3E}">
         <p14:creationId xmlns:p14="http://schemas.microsoft.com/office/powerpoint/2010/main" val="784976043"/>
+      </p:ext>
+    </p:extLst>
+  </p:cSld>
+  <p:clrMapOvr>
+    <a:masterClrMapping/>
+  </p:clrMapOvr>
+</p:sld>
+</file>
+
+<file path=ppt/slides/slide5.xml><?xml version="1.0" encoding="utf-8"?>
+<p:sld xmlns:a="http://schemas.openxmlformats.org/drawingml/2006/main" xmlns:r="http://schemas.openxmlformats.org/officeDocument/2006/relationships" xmlns:p="http://schemas.openxmlformats.org/presentationml/2006/main">
+  <p:cSld>
+    <p:spTree>
+      <p:nvGrpSpPr>
+        <p:cNvPr id="1" name=""/>
+        <p:cNvGrpSpPr/>
+        <p:nvPr/>
+      </p:nvGrpSpPr>
+      <p:grpSpPr>
+        <a:xfrm>
+          <a:off x="0" y="0"/>
+          <a:ext cx="0" cy="0"/>
+          <a:chOff x="0" y="0"/>
+          <a:chExt cx="0" cy="0"/>
+        </a:xfrm>
+      </p:grpSpPr>
+      <p:sp>
+        <p:nvSpPr>
+          <p:cNvPr id="2" name="Title 1">
+            <a:extLst>
+              <a:ext uri="{FF2B5EF4-FFF2-40B4-BE49-F238E27FC236}">
+                <a16:creationId xmlns:a16="http://schemas.microsoft.com/office/drawing/2014/main" id="{15C0FCBD-2D06-2AB9-BBC8-F6ADF6176994}"/>
+              </a:ext>
+            </a:extLst>
+          </p:cNvPr>
+          <p:cNvSpPr>
+            <a:spLocks noGrp="1"/>
+          </p:cNvSpPr>
+          <p:nvPr>
+            <p:ph type="title"/>
+          </p:nvPr>
+        </p:nvSpPr>
+        <p:spPr/>
+        <p:txBody>
+          <a:bodyPr/>
+          <a:lstStyle/>
+          <a:p>
+            <a:endParaRPr lang="en-US"/>
+          </a:p>
+        </p:txBody>
+      </p:sp>
+      <p:sp>
+        <p:nvSpPr>
+          <p:cNvPr id="3" name="Content Placeholder 2">
+            <a:extLst>
+              <a:ext uri="{FF2B5EF4-FFF2-40B4-BE49-F238E27FC236}">
+                <a16:creationId xmlns:a16="http://schemas.microsoft.com/office/drawing/2014/main" id="{ED67C6F6-EE4F-7526-8902-3B1FA9E14092}"/>
+              </a:ext>
+            </a:extLst>
+          </p:cNvPr>
+          <p:cNvSpPr>
+            <a:spLocks noGrp="1"/>
+          </p:cNvSpPr>
+          <p:nvPr>
+            <p:ph idx="1"/>
+          </p:nvPr>
+        </p:nvSpPr>
+        <p:spPr/>
+        <p:txBody>
+          <a:bodyPr/>
+          <a:lstStyle/>
+          <a:p>
+            <a:r>
+              <a:rPr lang="en-GB" dirty="0" err="1"/>
+              <a:t>Arbejder</a:t>
+            </a:r>
+            <a:r>
+              <a:rPr lang="en-GB" dirty="0"/>
+              <a:t> </a:t>
+            </a:r>
+            <a:r>
+              <a:rPr lang="en-GB" dirty="0" err="1"/>
+              <a:t>stadig</a:t>
+            </a:r>
+            <a:r>
+              <a:rPr lang="en-GB" dirty="0"/>
+              <a:t> </a:t>
+            </a:r>
+            <a:r>
+              <a:rPr lang="en-GB" dirty="0" err="1"/>
+              <a:t>på</a:t>
+            </a:r>
+            <a:r>
+              <a:rPr lang="en-GB" dirty="0"/>
+              <a:t> at </a:t>
+            </a:r>
+            <a:r>
+              <a:rPr lang="en-GB" dirty="0" err="1"/>
+              <a:t>vælge</a:t>
+            </a:r>
+            <a:r>
+              <a:rPr lang="en-GB" dirty="0"/>
+              <a:t> den </a:t>
+            </a:r>
+            <a:r>
+              <a:rPr lang="en-GB" dirty="0" err="1"/>
+              <a:t>bedste</a:t>
+            </a:r>
+            <a:r>
+              <a:rPr lang="en-GB" dirty="0"/>
+              <a:t> decomposition</a:t>
+            </a:r>
+          </a:p>
+          <a:p>
+            <a:r>
+              <a:rPr lang="en-GB" dirty="0" err="1"/>
+              <a:t>Arbejder</a:t>
+            </a:r>
+            <a:r>
+              <a:rPr lang="en-GB" dirty="0"/>
+              <a:t> </a:t>
+            </a:r>
+            <a:r>
+              <a:rPr lang="en-GB" dirty="0" err="1"/>
+              <a:t>på</a:t>
+            </a:r>
+            <a:r>
+              <a:rPr lang="en-GB" dirty="0"/>
+              <a:t> preselection </a:t>
+            </a:r>
+            <a:r>
+              <a:rPr lang="en-GB" dirty="0" err="1"/>
+              <a:t>af</a:t>
+            </a:r>
+            <a:r>
+              <a:rPr lang="en-GB" dirty="0"/>
+              <a:t> matched </a:t>
+            </a:r>
+            <a:r>
+              <a:rPr lang="en-GB" dirty="0" err="1"/>
+              <a:t>keypoints</a:t>
+            </a:r>
+            <a:r>
+              <a:rPr lang="en-GB" dirty="0"/>
+              <a:t> for at RANSAC </a:t>
+            </a:r>
+            <a:r>
+              <a:rPr lang="en-GB" dirty="0" err="1"/>
+              <a:t>kører</a:t>
+            </a:r>
+            <a:r>
+              <a:rPr lang="en-GB" dirty="0"/>
+              <a:t> </a:t>
+            </a:r>
+            <a:r>
+              <a:rPr lang="en-GB" dirty="0" err="1"/>
+              <a:t>bedre</a:t>
+            </a:r>
+            <a:endParaRPr lang="en-US" dirty="0"/>
+          </a:p>
+        </p:txBody>
+      </p:sp>
+    </p:spTree>
+    <p:extLst>
+      <p:ext uri="{BB962C8B-B14F-4D97-AF65-F5344CB8AC3E}">
+        <p14:creationId xmlns:p14="http://schemas.microsoft.com/office/powerpoint/2010/main" val="732139242"/>
       </p:ext>
     </p:extLst>
   </p:cSld>
